--- a/отчёт_проекта_Tetirsgame_АСУб-25_Чон Рён Бом.pptx
+++ b/отчёт_проекта_Tetirsgame_АСУб-25_Чон Рён Бом.pptx
@@ -5,10 +5,10 @@
     <p:sldMasterId id="2147483648" r:id="rId1"/>
   </p:sldMasterIdLst>
   <p:notesMasterIdLst>
-    <p:notesMasterId r:id="rId16"/>
+    <p:notesMasterId r:id="rId18"/>
   </p:notesMasterIdLst>
   <p:handoutMasterIdLst>
-    <p:handoutMasterId r:id="rId17"/>
+    <p:handoutMasterId r:id="rId19"/>
   </p:handoutMasterIdLst>
   <p:sldIdLst>
     <p:sldId id="256" r:id="rId2"/>
@@ -25,6 +25,8 @@
     <p:sldId id="266" r:id="rId13"/>
     <p:sldId id="267" r:id="rId14"/>
     <p:sldId id="268" r:id="rId15"/>
+    <p:sldId id="274" r:id="rId16"/>
+    <p:sldId id="275" r:id="rId17"/>
   </p:sldIdLst>
   <p:sldSz cx="12192000" cy="6858000"/>
   <p:notesSz cx="6858000" cy="9144000"/>
@@ -3269,7 +3271,7 @@
           <a:graphicData uri="http://schemas.openxmlformats.org/presentationml/2006/ole">
             <mc:AlternateContent xmlns:mc="http://schemas.openxmlformats.org/markup-compatibility/2006">
               <mc:Choice xmlns:v="urn:schemas-microsoft-com:vml" Requires="v">
-                <p:oleObj spid="_x0000_s10294" name="CorelDRAW" r:id="rId15" imgW="1388271" imgH="1117604" progId="CorelDraw.Graphic.21">
+                <p:oleObj spid="_x0000_s10296" name="CorelDRAW" r:id="rId15" imgW="1388271" imgH="1117604" progId="CorelDraw.Graphic.21">
                   <p:embed/>
                 </p:oleObj>
               </mc:Choice>
@@ -3692,11 +3694,7 @@
           <a:p>
             <a:r>
               <a:rPr lang="ru-RU" dirty="0" smtClean="0"/>
-              <a:t>Иркутск </a:t>
-            </a:r>
-            <a:r>
-              <a:rPr lang="ru-RU" dirty="0" smtClean="0"/>
-              <a:t>2025</a:t>
+              <a:t>Иркутск 2025</a:t>
             </a:r>
             <a:endParaRPr lang="ru-RU" dirty="0"/>
           </a:p>
@@ -3770,18 +3768,18 @@
             </a:r>
             <a:r>
               <a:rPr lang="en-US" dirty="0" smtClean="0">
-                <a:latin typeface="Arial Black" panose="020B0A04020102020204" pitchFamily="34" charset="0"/>
+                <a:latin typeface="Wide Latin" panose="020A0A07050505020404" pitchFamily="18" charset="0"/>
               </a:rPr>
               <a:t/>
             </a:r>
             <a:br>
               <a:rPr lang="en-US" dirty="0" smtClean="0">
-                <a:latin typeface="Arial Black" panose="020B0A04020102020204" pitchFamily="34" charset="0"/>
+                <a:latin typeface="Wide Latin" panose="020A0A07050505020404" pitchFamily="18" charset="0"/>
               </a:rPr>
             </a:br>
             <a:r>
               <a:rPr lang="en-US" sz="3200" dirty="0" smtClean="0">
-                <a:latin typeface="Arial Black" panose="020B0A04020102020204" pitchFamily="34" charset="0"/>
+                <a:latin typeface="Wide Latin" panose="020A0A07050505020404" pitchFamily="18" charset="0"/>
               </a:rPr>
               <a:t>“</a:t>
             </a:r>
@@ -3808,13 +3806,13 @@
             </a:r>
             <a:r>
               <a:rPr lang="en-US" sz="3200" dirty="0" err="1" smtClean="0">
-                <a:latin typeface="Arial Black" panose="020B0A04020102020204" pitchFamily="34" charset="0"/>
+                <a:latin typeface="Wide Latin" panose="020A0A07050505020404" pitchFamily="18" charset="0"/>
               </a:rPr>
               <a:t>Qt</a:t>
             </a:r>
             <a:r>
               <a:rPr lang="en-US" sz="3200" dirty="0" smtClean="0">
-                <a:latin typeface="Arial Black" panose="020B0A04020102020204" pitchFamily="34" charset="0"/>
+                <a:latin typeface="Wide Latin" panose="020A0A07050505020404" pitchFamily="18" charset="0"/>
               </a:rPr>
               <a:t>”</a:t>
             </a:r>
@@ -4596,10 +4594,6 @@
               </a:rPr>
               <a:t>Документирование кода</a:t>
             </a:r>
-            <a:endParaRPr lang="ru-RU" sz="2400" dirty="0">
-              <a:latin typeface="Times New Roman" panose="02020603050405020304" pitchFamily="18" charset="0"/>
-              <a:cs typeface="Times New Roman" panose="02020603050405020304" pitchFamily="18" charset="0"/>
-            </a:endParaRPr>
           </a:p>
         </p:txBody>
       </p:sp>
@@ -4631,15 +4625,7 @@
                   <a:srgbClr val="0070C0"/>
                 </a:solidFill>
               </a:rPr>
-              <a:t>Разделение </a:t>
-            </a:r>
-            <a:r>
-              <a:rPr lang="ru-RU" sz="3600" dirty="0" smtClean="0">
-                <a:solidFill>
-                  <a:srgbClr val="0070C0"/>
-                </a:solidFill>
-              </a:rPr>
-              <a:t>работы</a:t>
+              <a:t>Разделение работы</a:t>
             </a:r>
             <a:endParaRPr lang="ru-RU" sz="3600" dirty="0">
               <a:solidFill>
@@ -5083,10 +5069,18 @@
           <a:lstStyle/>
           <a:p>
             <a:r>
-              <a:rPr lang="ru-RU" sz="3600" dirty="0" smtClean="0"/>
+              <a:rPr lang="ru-RU" sz="3600" dirty="0" smtClean="0">
+                <a:solidFill>
+                  <a:srgbClr val="0E489F"/>
+                </a:solidFill>
+              </a:rPr>
               <a:t>Результат</a:t>
             </a:r>
-            <a:endParaRPr lang="ru-RU" sz="3600" dirty="0"/>
+            <a:endParaRPr lang="ru-RU" sz="3600" dirty="0">
+              <a:solidFill>
+                <a:srgbClr val="0E489F"/>
+              </a:solidFill>
+            </a:endParaRPr>
           </a:p>
         </p:txBody>
       </p:sp>
@@ -5123,6 +5117,135 @@
           </a:prstGeom>
         </p:spPr>
       </p:pic>
+      <p:sp>
+        <p:nvSpPr>
+          <p:cNvPr id="3" name="TextBox 2"/>
+          <p:cNvSpPr txBox="1"/>
+          <p:nvPr/>
+        </p:nvSpPr>
+        <p:spPr>
+          <a:xfrm>
+            <a:off x="641023" y="2111604"/>
+            <a:ext cx="5335571" cy="2800767"/>
+          </a:xfrm>
+          <a:prstGeom prst="rect">
+            <a:avLst/>
+          </a:prstGeom>
+          <a:noFill/>
+        </p:spPr>
+        <p:txBody>
+          <a:bodyPr wrap="square" rtlCol="0">
+            <a:spAutoFit/>
+          </a:bodyPr>
+          <a:lstStyle/>
+          <a:p>
+            <a:r>
+              <a:rPr lang="ru-RU" sz="2200" dirty="0">
+                <a:latin typeface="Times New Roman" panose="02020603050405020304" pitchFamily="18" charset="0"/>
+                <a:cs typeface="Times New Roman" panose="02020603050405020304" pitchFamily="18" charset="0"/>
+              </a:rPr>
+              <a:t>Основные возможности программы:</a:t>
+            </a:r>
+          </a:p>
+          <a:p>
+            <a:pPr marL="285750" indent="-285750">
+              <a:buFont typeface="Arial" panose="020B0604020202020204" pitchFamily="34" charset="0"/>
+              <a:buChar char="•"/>
+            </a:pPr>
+            <a:r>
+              <a:rPr lang="ru-RU" sz="2200" dirty="0">
+                <a:latin typeface="Times New Roman" panose="02020603050405020304" pitchFamily="18" charset="0"/>
+                <a:cs typeface="Times New Roman" panose="02020603050405020304" pitchFamily="18" charset="0"/>
+              </a:rPr>
+              <a:t>Стартовый экран с кнопками управления</a:t>
+            </a:r>
+          </a:p>
+          <a:p>
+            <a:pPr marL="285750" indent="-285750">
+              <a:buFont typeface="Arial" panose="020B0604020202020204" pitchFamily="34" charset="0"/>
+              <a:buChar char="•"/>
+            </a:pPr>
+            <a:r>
+              <a:rPr lang="ru-RU" sz="2200" dirty="0" smtClean="0">
+                <a:latin typeface="Times New Roman" panose="02020603050405020304" pitchFamily="18" charset="0"/>
+                <a:cs typeface="Times New Roman" panose="02020603050405020304" pitchFamily="18" charset="0"/>
+              </a:rPr>
+              <a:t>Управление </a:t>
+            </a:r>
+            <a:r>
+              <a:rPr lang="ru-RU" sz="2200" dirty="0">
+                <a:latin typeface="Times New Roman" panose="02020603050405020304" pitchFamily="18" charset="0"/>
+                <a:cs typeface="Times New Roman" panose="02020603050405020304" pitchFamily="18" charset="0"/>
+              </a:rPr>
+              <a:t>фигурами (движение, поворот, ускорение)</a:t>
+            </a:r>
+          </a:p>
+          <a:p>
+            <a:pPr marL="285750" indent="-285750">
+              <a:buFont typeface="Arial" panose="020B0604020202020204" pitchFamily="34" charset="0"/>
+              <a:buChar char="•"/>
+            </a:pPr>
+            <a:r>
+              <a:rPr lang="ru-RU" sz="2200" dirty="0">
+                <a:latin typeface="Times New Roman" panose="02020603050405020304" pitchFamily="18" charset="0"/>
+                <a:cs typeface="Times New Roman" panose="02020603050405020304" pitchFamily="18" charset="0"/>
+              </a:rPr>
+              <a:t>Система подсчета очков</a:t>
+            </a:r>
+          </a:p>
+          <a:p>
+            <a:pPr marL="285750" indent="-285750">
+              <a:buFont typeface="Arial" panose="020B0604020202020204" pitchFamily="34" charset="0"/>
+              <a:buChar char="•"/>
+            </a:pPr>
+            <a:r>
+              <a:rPr lang="ru-RU" sz="2200" dirty="0" err="1" smtClean="0">
+                <a:latin typeface="Times New Roman" panose="02020603050405020304" pitchFamily="18" charset="0"/>
+                <a:cs typeface="Times New Roman" panose="02020603050405020304" pitchFamily="18" charset="0"/>
+              </a:rPr>
+              <a:t>Предпросмотр</a:t>
+            </a:r>
+            <a:r>
+              <a:rPr lang="ru-RU" sz="2200" dirty="0" smtClean="0">
+                <a:latin typeface="Times New Roman" panose="02020603050405020304" pitchFamily="18" charset="0"/>
+                <a:cs typeface="Times New Roman" panose="02020603050405020304" pitchFamily="18" charset="0"/>
+              </a:rPr>
+              <a:t> </a:t>
+            </a:r>
+            <a:r>
+              <a:rPr lang="ru-RU" sz="2200" dirty="0">
+                <a:latin typeface="Times New Roman" panose="02020603050405020304" pitchFamily="18" charset="0"/>
+                <a:cs typeface="Times New Roman" panose="02020603050405020304" pitchFamily="18" charset="0"/>
+              </a:rPr>
+              <a:t>следующей фигуры</a:t>
+            </a:r>
+          </a:p>
+          <a:p>
+            <a:pPr marL="285750" indent="-285750">
+              <a:buFont typeface="Arial" panose="020B0604020202020204" pitchFamily="34" charset="0"/>
+              <a:buChar char="•"/>
+            </a:pPr>
+            <a:r>
+              <a:rPr lang="ru-RU" sz="2200" dirty="0">
+                <a:latin typeface="Times New Roman" panose="02020603050405020304" pitchFamily="18" charset="0"/>
+                <a:cs typeface="Times New Roman" panose="02020603050405020304" pitchFamily="18" charset="0"/>
+              </a:rPr>
+              <a:t>Конец игры при заполнении </a:t>
+            </a:r>
+            <a:r>
+              <a:rPr lang="ru-RU" sz="2200" dirty="0" smtClean="0">
+                <a:latin typeface="Times New Roman" panose="02020603050405020304" pitchFamily="18" charset="0"/>
+                <a:cs typeface="Times New Roman" panose="02020603050405020304" pitchFamily="18" charset="0"/>
+              </a:rPr>
+              <a:t>поля</a:t>
+            </a:r>
+            <a:endParaRPr lang="ru-RU" sz="2200" dirty="0">
+              <a:latin typeface="Times New Roman" panose="02020603050405020304" pitchFamily="18" charset="0"/>
+              <a:cs typeface="Times New Roman" panose="02020603050405020304" pitchFamily="18" charset="0"/>
+            </a:endParaRPr>
+          </a:p>
+        </p:txBody>
+      </p:sp>
     </p:spTree>
     <p:extLst>
       <p:ext uri="{BB962C8B-B14F-4D97-AF65-F5344CB8AC3E}">
@@ -5386,8 +5509,8 @@
         </p:nvSpPr>
         <p:spPr>
           <a:xfrm>
-            <a:off x="618835" y="2272145"/>
-            <a:ext cx="10400145" cy="369332"/>
+            <a:off x="675396" y="2093036"/>
+            <a:ext cx="10400145" cy="3477875"/>
           </a:xfrm>
           <a:prstGeom prst="rect">
             <a:avLst/>
@@ -5401,10 +5524,192 @@
           <a:lstStyle/>
           <a:p>
             <a:r>
-              <a:rPr lang="ru-RU" dirty="0" smtClean="0"/>
-              <a:t>Пишем чему научились, что узнали нового, какими технологиям овладели</a:t>
-            </a:r>
-            <a:endParaRPr lang="ru-RU" dirty="0"/>
+              <a:rPr lang="ru-RU" sz="2200" dirty="0">
+                <a:latin typeface="Times New Roman" panose="02020603050405020304" pitchFamily="18" charset="0"/>
+                <a:cs typeface="Times New Roman" panose="02020603050405020304" pitchFamily="18" charset="0"/>
+              </a:rPr>
+              <a:t>Проект "</a:t>
+            </a:r>
+            <a:r>
+              <a:rPr lang="ru-RU" sz="2200" dirty="0" err="1">
+                <a:latin typeface="Times New Roman" panose="02020603050405020304" pitchFamily="18" charset="0"/>
+                <a:cs typeface="Times New Roman" panose="02020603050405020304" pitchFamily="18" charset="0"/>
+              </a:rPr>
+              <a:t>Tetris</a:t>
+            </a:r>
+            <a:r>
+              <a:rPr lang="ru-RU" sz="2200" dirty="0">
+                <a:latin typeface="Times New Roman" panose="02020603050405020304" pitchFamily="18" charset="0"/>
+                <a:cs typeface="Times New Roman" panose="02020603050405020304" pitchFamily="18" charset="0"/>
+              </a:rPr>
+              <a:t> </a:t>
+            </a:r>
+            <a:r>
+              <a:rPr lang="ru-RU" sz="2200" dirty="0" err="1">
+                <a:latin typeface="Times New Roman" panose="02020603050405020304" pitchFamily="18" charset="0"/>
+                <a:cs typeface="Times New Roman" panose="02020603050405020304" pitchFamily="18" charset="0"/>
+              </a:rPr>
+              <a:t>Game</a:t>
+            </a:r>
+            <a:r>
+              <a:rPr lang="ru-RU" sz="2200" dirty="0">
+                <a:latin typeface="Times New Roman" panose="02020603050405020304" pitchFamily="18" charset="0"/>
+                <a:cs typeface="Times New Roman" panose="02020603050405020304" pitchFamily="18" charset="0"/>
+              </a:rPr>
+              <a:t> на </a:t>
+            </a:r>
+            <a:r>
+              <a:rPr lang="ru-RU" sz="2200" dirty="0" err="1">
+                <a:latin typeface="Times New Roman" panose="02020603050405020304" pitchFamily="18" charset="0"/>
+                <a:cs typeface="Times New Roman" panose="02020603050405020304" pitchFamily="18" charset="0"/>
+              </a:rPr>
+              <a:t>Qt</a:t>
+            </a:r>
+            <a:r>
+              <a:rPr lang="ru-RU" sz="2200" dirty="0">
+                <a:latin typeface="Times New Roman" panose="02020603050405020304" pitchFamily="18" charset="0"/>
+                <a:cs typeface="Times New Roman" panose="02020603050405020304" pitchFamily="18" charset="0"/>
+              </a:rPr>
+              <a:t>" успешно реализован. В ходе работы были достигнуты все поставленные цели:</a:t>
+            </a:r>
+          </a:p>
+          <a:p>
+            <a:endParaRPr lang="ru-RU" sz="2200" dirty="0">
+              <a:latin typeface="Times New Roman" panose="02020603050405020304" pitchFamily="18" charset="0"/>
+              <a:cs typeface="Times New Roman" panose="02020603050405020304" pitchFamily="18" charset="0"/>
+            </a:endParaRPr>
+          </a:p>
+          <a:p>
+            <a:pPr marL="342900" indent="-342900">
+              <a:buFont typeface="+mj-lt"/>
+              <a:buAutoNum type="arabicPeriod"/>
+            </a:pPr>
+            <a:r>
+              <a:rPr lang="ru-RU" sz="2200" dirty="0">
+                <a:latin typeface="Times New Roman" panose="02020603050405020304" pitchFamily="18" charset="0"/>
+                <a:cs typeface="Times New Roman" panose="02020603050405020304" pitchFamily="18" charset="0"/>
+              </a:rPr>
+              <a:t>Создана полнофункциональная игра с графическим </a:t>
+            </a:r>
+            <a:r>
+              <a:rPr lang="ru-RU" sz="2200" dirty="0" smtClean="0">
+                <a:latin typeface="Times New Roman" panose="02020603050405020304" pitchFamily="18" charset="0"/>
+                <a:cs typeface="Times New Roman" panose="02020603050405020304" pitchFamily="18" charset="0"/>
+              </a:rPr>
+              <a:t>интерфейсом</a:t>
+            </a:r>
+            <a:endParaRPr lang="ru-RU" sz="2200" dirty="0">
+              <a:latin typeface="Times New Roman" panose="02020603050405020304" pitchFamily="18" charset="0"/>
+              <a:cs typeface="Times New Roman" panose="02020603050405020304" pitchFamily="18" charset="0"/>
+            </a:endParaRPr>
+          </a:p>
+          <a:p>
+            <a:pPr marL="342900" indent="-342900">
+              <a:buFont typeface="+mj-lt"/>
+              <a:buAutoNum type="arabicPeriod"/>
+            </a:pPr>
+            <a:r>
+              <a:rPr lang="ru-RU" sz="2200" dirty="0">
+                <a:latin typeface="Times New Roman" panose="02020603050405020304" pitchFamily="18" charset="0"/>
+                <a:cs typeface="Times New Roman" panose="02020603050405020304" pitchFamily="18" charset="0"/>
+              </a:rPr>
+              <a:t>Освоены базовые принципы разработки на </a:t>
+            </a:r>
+            <a:r>
+              <a:rPr lang="ru-RU" sz="2200" dirty="0" err="1">
+                <a:latin typeface="Times New Roman" panose="02020603050405020304" pitchFamily="18" charset="0"/>
+                <a:cs typeface="Times New Roman" panose="02020603050405020304" pitchFamily="18" charset="0"/>
+              </a:rPr>
+              <a:t>Qt</a:t>
+            </a:r>
+            <a:r>
+              <a:rPr lang="ru-RU" sz="2200" dirty="0">
+                <a:latin typeface="Times New Roman" panose="02020603050405020304" pitchFamily="18" charset="0"/>
+                <a:cs typeface="Times New Roman" panose="02020603050405020304" pitchFamily="18" charset="0"/>
+              </a:rPr>
+              <a:t>/C</a:t>
+            </a:r>
+            <a:r>
+              <a:rPr lang="ru-RU" sz="2200" dirty="0" smtClean="0">
+                <a:latin typeface="Times New Roman" panose="02020603050405020304" pitchFamily="18" charset="0"/>
+                <a:cs typeface="Times New Roman" panose="02020603050405020304" pitchFamily="18" charset="0"/>
+              </a:rPr>
+              <a:t>++</a:t>
+            </a:r>
+            <a:endParaRPr lang="ru-RU" sz="2200" dirty="0">
+              <a:latin typeface="Times New Roman" panose="02020603050405020304" pitchFamily="18" charset="0"/>
+              <a:cs typeface="Times New Roman" panose="02020603050405020304" pitchFamily="18" charset="0"/>
+            </a:endParaRPr>
+          </a:p>
+          <a:p>
+            <a:pPr marL="342900" indent="-342900">
+              <a:buFont typeface="+mj-lt"/>
+              <a:buAutoNum type="arabicPeriod"/>
+            </a:pPr>
+            <a:r>
+              <a:rPr lang="ru-RU" sz="2200" dirty="0">
+                <a:latin typeface="Times New Roman" panose="02020603050405020304" pitchFamily="18" charset="0"/>
+                <a:cs typeface="Times New Roman" panose="02020603050405020304" pitchFamily="18" charset="0"/>
+              </a:rPr>
+              <a:t>Получен опыт работы с </a:t>
+            </a:r>
+            <a:r>
+              <a:rPr lang="ru-RU" sz="2200" dirty="0" err="1">
+                <a:latin typeface="Times New Roman" panose="02020603050405020304" pitchFamily="18" charset="0"/>
+                <a:cs typeface="Times New Roman" panose="02020603050405020304" pitchFamily="18" charset="0"/>
+              </a:rPr>
+              <a:t>Git</a:t>
+            </a:r>
+            <a:r>
+              <a:rPr lang="ru-RU" sz="2200" dirty="0">
+                <a:latin typeface="Times New Roman" panose="02020603050405020304" pitchFamily="18" charset="0"/>
+                <a:cs typeface="Times New Roman" panose="02020603050405020304" pitchFamily="18" charset="0"/>
+              </a:rPr>
+              <a:t> и систематизации </a:t>
+            </a:r>
+            <a:r>
+              <a:rPr lang="ru-RU" sz="2200" dirty="0" smtClean="0">
+                <a:latin typeface="Times New Roman" panose="02020603050405020304" pitchFamily="18" charset="0"/>
+                <a:cs typeface="Times New Roman" panose="02020603050405020304" pitchFamily="18" charset="0"/>
+              </a:rPr>
+              <a:t>кода</a:t>
+            </a:r>
+            <a:endParaRPr lang="ru-RU" sz="2200" dirty="0">
+              <a:latin typeface="Times New Roman" panose="02020603050405020304" pitchFamily="18" charset="0"/>
+              <a:cs typeface="Times New Roman" panose="02020603050405020304" pitchFamily="18" charset="0"/>
+            </a:endParaRPr>
+          </a:p>
+          <a:p>
+            <a:pPr marL="342900" indent="-342900">
+              <a:buFont typeface="+mj-lt"/>
+              <a:buAutoNum type="arabicPeriod"/>
+            </a:pPr>
+            <a:r>
+              <a:rPr lang="ru-RU" sz="2200" dirty="0">
+                <a:latin typeface="Times New Roman" panose="02020603050405020304" pitchFamily="18" charset="0"/>
+                <a:cs typeface="Times New Roman" panose="02020603050405020304" pitchFamily="18" charset="0"/>
+              </a:rPr>
+              <a:t>Разработаны алгоритмы для обработки игровой логики</a:t>
+            </a:r>
+          </a:p>
+          <a:p>
+            <a:endParaRPr lang="ru-RU" sz="2200" dirty="0">
+              <a:latin typeface="Times New Roman" panose="02020603050405020304" pitchFamily="18" charset="0"/>
+              <a:cs typeface="Times New Roman" panose="02020603050405020304" pitchFamily="18" charset="0"/>
+            </a:endParaRPr>
+          </a:p>
+          <a:p>
+            <a:r>
+              <a:rPr lang="ru-RU" sz="2200" dirty="0">
+                <a:latin typeface="Times New Roman" panose="02020603050405020304" pitchFamily="18" charset="0"/>
+                <a:cs typeface="Times New Roman" panose="02020603050405020304" pitchFamily="18" charset="0"/>
+              </a:rPr>
+              <a:t>Проект может быть расширен добавлением новых функций: таблицы рекордов, различных уровней сложности, звуковых эффектов и сетевой игры.</a:t>
+            </a:r>
+            <a:endParaRPr lang="ru-RU" sz="2200" dirty="0">
+              <a:latin typeface="Times New Roman" panose="02020603050405020304" pitchFamily="18" charset="0"/>
+              <a:cs typeface="Times New Roman" panose="02020603050405020304" pitchFamily="18" charset="0"/>
+            </a:endParaRPr>
           </a:p>
         </p:txBody>
       </p:sp>
@@ -5431,10 +5736,18 @@
           <a:lstStyle/>
           <a:p>
             <a:r>
-              <a:rPr lang="ru-RU" sz="3600" dirty="0" smtClean="0"/>
+              <a:rPr lang="ru-RU" sz="3600" dirty="0" smtClean="0">
+                <a:solidFill>
+                  <a:srgbClr val="0E489F"/>
+                </a:solidFill>
+              </a:rPr>
               <a:t>Выводы</a:t>
             </a:r>
-            <a:endParaRPr lang="ru-RU" sz="3600" dirty="0"/>
+            <a:endParaRPr lang="ru-RU" sz="3600" dirty="0">
+              <a:solidFill>
+                <a:srgbClr val="0E489F"/>
+              </a:solidFill>
+            </a:endParaRPr>
           </a:p>
         </p:txBody>
       </p:sp>
@@ -5455,6 +5768,353 @@
       </p:par>
     </p:tnLst>
   </p:timing>
+</p:sld>
+</file>
+
+<file path=ppt/slides/slide15.xml><?xml version="1.0" encoding="utf-8"?>
+<p:sld xmlns:a="http://schemas.openxmlformats.org/drawingml/2006/main" xmlns:r="http://schemas.openxmlformats.org/officeDocument/2006/relationships" xmlns:p="http://schemas.openxmlformats.org/presentationml/2006/main">
+  <p:cSld>
+    <p:spTree>
+      <p:nvGrpSpPr>
+        <p:cNvPr id="1" name=""/>
+        <p:cNvGrpSpPr/>
+        <p:nvPr/>
+      </p:nvGrpSpPr>
+      <p:grpSpPr>
+        <a:xfrm>
+          <a:off x="0" y="0"/>
+          <a:ext cx="0" cy="0"/>
+          <a:chOff x="0" y="0"/>
+          <a:chExt cx="0" cy="0"/>
+        </a:xfrm>
+      </p:grpSpPr>
+      <p:sp>
+        <p:nvSpPr>
+          <p:cNvPr id="4" name="Нижний колонтитул 3"/>
+          <p:cNvSpPr>
+            <a:spLocks noGrp="1"/>
+          </p:cNvSpPr>
+          <p:nvPr>
+            <p:ph type="ftr" sz="quarter" idx="11"/>
+          </p:nvPr>
+        </p:nvSpPr>
+        <p:spPr/>
+        <p:txBody>
+          <a:bodyPr/>
+          <a:lstStyle/>
+          <a:p>
+            <a:endParaRPr lang="ru-RU"/>
+          </a:p>
+        </p:txBody>
+      </p:sp>
+      <p:sp>
+        <p:nvSpPr>
+          <p:cNvPr id="5" name="Номер слайда 4"/>
+          <p:cNvSpPr>
+            <a:spLocks noGrp="1"/>
+          </p:cNvSpPr>
+          <p:nvPr>
+            <p:ph type="sldNum" sz="quarter" idx="12"/>
+          </p:nvPr>
+        </p:nvSpPr>
+        <p:spPr/>
+        <p:txBody>
+          <a:bodyPr/>
+          <a:lstStyle/>
+          <a:p>
+            <a:fld id="{29F21396-111B-4B5C-B7E2-582932F279F0}" type="slidenum">
+              <a:rPr lang="ru-RU" smtClean="0"/>
+              <a:pPr/>
+              <a:t>15</a:t>
+            </a:fld>
+            <a:endParaRPr lang="ru-RU" dirty="0"/>
+          </a:p>
+        </p:txBody>
+      </p:sp>
+      <p:sp>
+        <p:nvSpPr>
+          <p:cNvPr id="6" name="TextBox 5"/>
+          <p:cNvSpPr txBox="1"/>
+          <p:nvPr/>
+        </p:nvSpPr>
+        <p:spPr>
+          <a:xfrm>
+            <a:off x="1620208" y="2121031"/>
+            <a:ext cx="9087439" cy="2585323"/>
+          </a:xfrm>
+          <a:prstGeom prst="rect">
+            <a:avLst/>
+          </a:prstGeom>
+          <a:noFill/>
+        </p:spPr>
+        <p:txBody>
+          <a:bodyPr wrap="square" rtlCol="0">
+            <a:spAutoFit/>
+          </a:bodyPr>
+          <a:lstStyle/>
+          <a:p>
+            <a:r>
+              <a:rPr lang="zh-TW" altLang="en-US" dirty="0">
+                <a:latin typeface="청봉체" panose="00000609050400000000" pitchFamily="49" charset="-120"/>
+                <a:ea typeface="청봉체" panose="00000609050400000000" pitchFamily="49" charset="-120"/>
+              </a:rPr>
+              <a:t>보고서를 다 보아주셔서 감사합니다</a:t>
+            </a:r>
+            <a:r>
+              <a:rPr lang="en-US" altLang="zh-TW" dirty="0">
+                <a:latin typeface="청봉체" panose="00000609050400000000" pitchFamily="49" charset="-120"/>
+                <a:ea typeface="청봉체" panose="00000609050400000000" pitchFamily="49" charset="-120"/>
+              </a:rPr>
+              <a:t>.</a:t>
+            </a:r>
+          </a:p>
+          <a:p>
+            <a:r>
+              <a:rPr lang="zh-TW" altLang="en-US" dirty="0">
+                <a:latin typeface="청봉체" panose="00000609050400000000" pitchFamily="49" charset="-120"/>
+                <a:ea typeface="청봉체" panose="00000609050400000000" pitchFamily="49" charset="-120"/>
+              </a:rPr>
+              <a:t>이 탐쌓기오락은 저에게 있어서 처음으로 되는 프로젝트이며 정보기술의 문어구에 서있는 저에게 해낼수 있다는 신심과 </a:t>
+            </a:r>
+            <a:r>
+              <a:rPr lang="zh-TW" altLang="en-US" dirty="0" smtClean="0">
+                <a:latin typeface="청봉체" panose="00000609050400000000" pitchFamily="49" charset="-120"/>
+                <a:ea typeface="청봉체" panose="00000609050400000000" pitchFamily="49" charset="-120"/>
+              </a:rPr>
+              <a:t>능력있는 개</a:t>
+            </a:r>
+            <a:r>
+              <a:rPr lang="zh-TW" altLang="en-US" dirty="0">
+                <a:latin typeface="청봉체" panose="00000609050400000000" pitchFamily="49" charset="-120"/>
+                <a:ea typeface="청봉체" panose="00000609050400000000" pitchFamily="49" charset="-120"/>
+              </a:rPr>
+              <a:t>발자가 되겠다는 결심을 굳히게 해주었습니다</a:t>
+            </a:r>
+            <a:r>
+              <a:rPr lang="en-US" altLang="zh-TW" dirty="0">
+                <a:latin typeface="청봉체" panose="00000609050400000000" pitchFamily="49" charset="-120"/>
+                <a:ea typeface="청봉체" panose="00000609050400000000" pitchFamily="49" charset="-120"/>
+              </a:rPr>
+              <a:t>.</a:t>
+            </a:r>
+            <a:br>
+              <a:rPr lang="en-US" altLang="zh-TW" dirty="0">
+                <a:latin typeface="청봉체" panose="00000609050400000000" pitchFamily="49" charset="-120"/>
+                <a:ea typeface="청봉체" panose="00000609050400000000" pitchFamily="49" charset="-120"/>
+              </a:rPr>
+            </a:br>
+            <a:endParaRPr lang="en-US" altLang="zh-TW" dirty="0">
+              <a:latin typeface="청봉체" panose="00000609050400000000" pitchFamily="49" charset="-120"/>
+              <a:ea typeface="청봉체" panose="00000609050400000000" pitchFamily="49" charset="-120"/>
+            </a:endParaRPr>
+          </a:p>
+          <a:p>
+            <a:r>
+              <a:rPr lang="zh-TW" altLang="en-US" dirty="0">
+                <a:latin typeface="청봉체" panose="00000609050400000000" pitchFamily="49" charset="-120"/>
+                <a:ea typeface="청봉체" panose="00000609050400000000" pitchFamily="49" charset="-120"/>
+              </a:rPr>
+              <a:t>물론 프로젝트완성과정에는 여러 난관도 많았고 시간도 모자랐습니다</a:t>
+            </a:r>
+            <a:r>
+              <a:rPr lang="en-US" altLang="zh-TW" dirty="0">
+                <a:latin typeface="청봉체" panose="00000609050400000000" pitchFamily="49" charset="-120"/>
+                <a:ea typeface="청봉체" panose="00000609050400000000" pitchFamily="49" charset="-120"/>
+              </a:rPr>
+              <a:t>.</a:t>
+            </a:r>
+            <a:r>
+              <a:rPr lang="zh-TW" altLang="en-US" dirty="0">
+                <a:latin typeface="청봉체" panose="00000609050400000000" pitchFamily="49" charset="-120"/>
+                <a:ea typeface="청봉체" panose="00000609050400000000" pitchFamily="49" charset="-120"/>
+              </a:rPr>
+              <a:t>그러나 문제점들을 하나하나 해결하는 과정을 통하여 무엇인가 배웠다는것이 저에게 있어서는 매우 소중한 체험이였습니다</a:t>
+            </a:r>
+            <a:r>
+              <a:rPr lang="en-US" altLang="zh-TW" dirty="0">
+                <a:latin typeface="청봉체" panose="00000609050400000000" pitchFamily="49" charset="-120"/>
+                <a:ea typeface="청봉체" panose="00000609050400000000" pitchFamily="49" charset="-120"/>
+              </a:rPr>
+              <a:t>.</a:t>
+            </a:r>
+            <a:r>
+              <a:rPr lang="zh-TW" altLang="en-US" dirty="0">
+                <a:latin typeface="청봉체" panose="00000609050400000000" pitchFamily="49" charset="-120"/>
+                <a:ea typeface="청봉체" panose="00000609050400000000" pitchFamily="49" charset="-120"/>
+              </a:rPr>
+              <a:t> 더욱 노력하여 무엇이나 막힘없이 개발하는 만능의 개발자가 되는것이 저의 목표입니다</a:t>
+            </a:r>
+            <a:r>
+              <a:rPr lang="en-US" altLang="zh-TW" dirty="0">
+                <a:latin typeface="청봉체" panose="00000609050400000000" pitchFamily="49" charset="-120"/>
+                <a:ea typeface="청봉체" panose="00000609050400000000" pitchFamily="49" charset="-120"/>
+              </a:rPr>
+              <a:t>.</a:t>
+            </a:r>
+          </a:p>
+        </p:txBody>
+      </p:sp>
+    </p:spTree>
+    <p:extLst>
+      <p:ext uri="{BB962C8B-B14F-4D97-AF65-F5344CB8AC3E}">
+        <p14:creationId xmlns:p14="http://schemas.microsoft.com/office/powerpoint/2010/main" val="1641744243"/>
+      </p:ext>
+    </p:extLst>
+  </p:cSld>
+  <p:clrMapOvr>
+    <a:masterClrMapping/>
+  </p:clrMapOvr>
+</p:sld>
+</file>
+
+<file path=ppt/slides/slide16.xml><?xml version="1.0" encoding="utf-8"?>
+<p:sld xmlns:a="http://schemas.openxmlformats.org/drawingml/2006/main" xmlns:r="http://schemas.openxmlformats.org/officeDocument/2006/relationships" xmlns:p="http://schemas.openxmlformats.org/presentationml/2006/main">
+  <p:cSld>
+    <p:spTree>
+      <p:nvGrpSpPr>
+        <p:cNvPr id="1" name=""/>
+        <p:cNvGrpSpPr/>
+        <p:nvPr/>
+      </p:nvGrpSpPr>
+      <p:grpSpPr>
+        <a:xfrm>
+          <a:off x="0" y="0"/>
+          <a:ext cx="0" cy="0"/>
+          <a:chOff x="0" y="0"/>
+          <a:chExt cx="0" cy="0"/>
+        </a:xfrm>
+      </p:grpSpPr>
+      <p:sp>
+        <p:nvSpPr>
+          <p:cNvPr id="4" name="Нижний колонтитул 3"/>
+          <p:cNvSpPr>
+            <a:spLocks noGrp="1"/>
+          </p:cNvSpPr>
+          <p:nvPr>
+            <p:ph type="ftr" sz="quarter" idx="11"/>
+          </p:nvPr>
+        </p:nvSpPr>
+        <p:spPr/>
+        <p:txBody>
+          <a:bodyPr/>
+          <a:lstStyle/>
+          <a:p>
+            <a:endParaRPr lang="ru-RU"/>
+          </a:p>
+        </p:txBody>
+      </p:sp>
+      <p:sp>
+        <p:nvSpPr>
+          <p:cNvPr id="5" name="Номер слайда 4"/>
+          <p:cNvSpPr>
+            <a:spLocks noGrp="1"/>
+          </p:cNvSpPr>
+          <p:nvPr>
+            <p:ph type="sldNum" sz="quarter" idx="12"/>
+          </p:nvPr>
+        </p:nvSpPr>
+        <p:spPr/>
+        <p:txBody>
+          <a:bodyPr/>
+          <a:lstStyle/>
+          <a:p>
+            <a:fld id="{29F21396-111B-4B5C-B7E2-582932F279F0}" type="slidenum">
+              <a:rPr lang="ru-RU" smtClean="0"/>
+              <a:pPr/>
+              <a:t>16</a:t>
+            </a:fld>
+            <a:endParaRPr lang="ru-RU" dirty="0"/>
+          </a:p>
+        </p:txBody>
+      </p:sp>
+      <p:sp>
+        <p:nvSpPr>
+          <p:cNvPr id="6" name="TextBox 5"/>
+          <p:cNvSpPr txBox="1"/>
+          <p:nvPr/>
+        </p:nvSpPr>
+        <p:spPr>
+          <a:xfrm>
+            <a:off x="1512586" y="1454107"/>
+            <a:ext cx="9153426" cy="4093428"/>
+          </a:xfrm>
+          <a:prstGeom prst="rect">
+            <a:avLst/>
+          </a:prstGeom>
+          <a:noFill/>
+        </p:spPr>
+        <p:txBody>
+          <a:bodyPr wrap="square" rtlCol="0">
+            <a:spAutoFit/>
+          </a:bodyPr>
+          <a:lstStyle/>
+          <a:p>
+            <a:pPr algn="just"/>
+            <a:r>
+              <a:rPr lang="ru-RU" sz="2000" dirty="0">
+                <a:latin typeface="Times New Roman" panose="02020603050405020304" pitchFamily="18" charset="0"/>
+                <a:cs typeface="Times New Roman" panose="02020603050405020304" pitchFamily="18" charset="0"/>
+              </a:rPr>
+              <a:t>Спасибо, что уделили время и прочитали мой отчёт.</a:t>
+            </a:r>
+          </a:p>
+          <a:p>
+            <a:pPr algn="just"/>
+            <a:endParaRPr lang="ru-RU" sz="2000" dirty="0">
+              <a:latin typeface="Times New Roman" panose="02020603050405020304" pitchFamily="18" charset="0"/>
+              <a:cs typeface="Times New Roman" panose="02020603050405020304" pitchFamily="18" charset="0"/>
+            </a:endParaRPr>
+          </a:p>
+          <a:p>
+            <a:pPr algn="just"/>
+            <a:r>
+              <a:rPr lang="ru-RU" sz="2000" dirty="0">
+                <a:latin typeface="Times New Roman" panose="02020603050405020304" pitchFamily="18" charset="0"/>
+                <a:cs typeface="Times New Roman" panose="02020603050405020304" pitchFamily="18" charset="0"/>
+              </a:rPr>
+              <a:t>Эта игра «Тетрис» стала для меня первым самостоятельным проектом и помогла мне, стоящему на пороге мира информационных технологий, укрепить уверенность в том, что «я могу это сделать», а также окончательно утвердила моё стремление стать </a:t>
+            </a:r>
+            <a:r>
+              <a:rPr lang="ru-RU" sz="2000" dirty="0" smtClean="0">
+                <a:latin typeface="Times New Roman" panose="02020603050405020304" pitchFamily="18" charset="0"/>
+                <a:cs typeface="Times New Roman" panose="02020603050405020304" pitchFamily="18" charset="0"/>
+              </a:rPr>
+              <a:t>собственным разработчиком.</a:t>
+            </a:r>
+            <a:endParaRPr lang="ru-RU" sz="2000" dirty="0">
+              <a:latin typeface="Times New Roman" panose="02020603050405020304" pitchFamily="18" charset="0"/>
+              <a:cs typeface="Times New Roman" panose="02020603050405020304" pitchFamily="18" charset="0"/>
+            </a:endParaRPr>
+          </a:p>
+          <a:p>
+            <a:pPr algn="just"/>
+            <a:endParaRPr lang="ru-RU" sz="2000" dirty="0">
+              <a:latin typeface="Times New Roman" panose="02020603050405020304" pitchFamily="18" charset="0"/>
+              <a:cs typeface="Times New Roman" panose="02020603050405020304" pitchFamily="18" charset="0"/>
+            </a:endParaRPr>
+          </a:p>
+          <a:p>
+            <a:pPr algn="just"/>
+            <a:r>
+              <a:rPr lang="ru-RU" sz="2000" dirty="0">
+                <a:latin typeface="Times New Roman" panose="02020603050405020304" pitchFamily="18" charset="0"/>
+                <a:cs typeface="Times New Roman" panose="02020603050405020304" pitchFamily="18" charset="0"/>
+              </a:rPr>
+              <a:t>Конечно, в процессе завершения проекта возникало множество трудностей, и времени постоянно не хватало. Однако сам процесс постепенного решения возникавших проблем стал для меня бесценным опытом, из которого я действительно многое почерпнул. Моя цель — продолжать упорно трудиться, чтобы стать универсальным разработчиком, способным беспрепятственно создавать что угодно.</a:t>
+            </a:r>
+          </a:p>
+        </p:txBody>
+      </p:sp>
+    </p:spTree>
+    <p:extLst>
+      <p:ext uri="{BB962C8B-B14F-4D97-AF65-F5344CB8AC3E}">
+        <p14:creationId xmlns:p14="http://schemas.microsoft.com/office/powerpoint/2010/main" val="3936299569"/>
+      </p:ext>
+    </p:extLst>
+  </p:cSld>
+  <p:clrMapOvr>
+    <a:masterClrMapping/>
+  </p:clrMapOvr>
 </p:sld>
 </file>
 
@@ -6302,10 +6962,6 @@
               </a:rPr>
               <a:t> на C++ с графическим интерфейсом, системой подсчета очков и управлением с клавиатуры.</a:t>
             </a:r>
-            <a:endParaRPr lang="ru-RU" sz="2400" dirty="0">
-              <a:latin typeface="Times New Roman" panose="02020603050405020304" pitchFamily="18" charset="0"/>
-              <a:cs typeface="Times New Roman" panose="02020603050405020304" pitchFamily="18" charset="0"/>
-            </a:endParaRPr>
           </a:p>
         </p:txBody>
       </p:sp>
@@ -7584,15 +8240,7 @@
                   <a:srgbClr val="0E489F"/>
                 </a:solidFill>
               </a:rPr>
-              <a:t>Описание реализации проекты, основные </a:t>
-            </a:r>
-            <a:r>
-              <a:rPr lang="ru-RU" sz="3600" dirty="0" smtClean="0">
-                <a:solidFill>
-                  <a:srgbClr val="0E489F"/>
-                </a:solidFill>
-              </a:rPr>
-              <a:t>момент</a:t>
+              <a:t>Описание реализации проекты, основные момент</a:t>
             </a:r>
             <a:r>
               <a:rPr lang="ru-RU" sz="3600" dirty="0">
@@ -7602,11 +8250,6 @@
               </a:rPr>
               <a:t>ы</a:t>
             </a:r>
-            <a:endParaRPr lang="ru-RU" sz="3600" dirty="0">
-              <a:solidFill>
-                <a:srgbClr val="0E489F"/>
-              </a:solidFill>
-            </a:endParaRPr>
           </a:p>
         </p:txBody>
       </p:sp>
